--- a/backend/uploads/The_future_of_robotics__presentation.pptx
+++ b/backend/uploads/The_future_of_robotics__presentation.pptx
@@ -1706,7 +1706,7 @@
                   <a:srgbClr val="FFFFFF"/>
                 </a:solidFill>
               </a:rPr>
-              <a:t>The Future of Robotics: A Glimpse into Tomorrow</a:t>
+              <a:t>The Future of Robotics: An Overview</a:t>
             </a:r>
             <a:endParaRPr lang="en-US" sz="3200" dirty="0"/>
           </a:p>
@@ -1746,7 +1746,7 @@
                   <a:srgbClr val="FFFFFF"/>
                 </a:solidFill>
               </a:rPr>
-              <a:t>Robotics is rapidly evolving, impacting all aspects of life.</a:t>
+              <a:t>Robotics is rapidly transforming industries and daily life.</a:t>
             </a:r>
             <a:endParaRPr lang="en-US" sz="1800" dirty="0"/>
           </a:p>
@@ -1764,7 +1764,7 @@
                   <a:srgbClr val="FFFFFF"/>
                 </a:solidFill>
               </a:rPr>
-              <a:t>From automation to healthcare, robots are transforming industries.</a:t>
+              <a:t>Key drivers include advancements in AI, materials, and sensors.</a:t>
             </a:r>
             <a:endParaRPr lang="en-US" sz="1800" dirty="0"/>
           </a:p>
@@ -1782,7 +1782,7 @@
                   <a:srgbClr val="FFFFFF"/>
                 </a:solidFill>
               </a:rPr>
-              <a:t>Understanding these trends is crucial for preparing for the future.</a:t>
+              <a:t>This presentation explores emerging trends and potential impacts.</a:t>
             </a:r>
             <a:endParaRPr lang="en-US" sz="1800" dirty="0"/>
           </a:p>
@@ -1790,7 +1790,7 @@
       </p:sp>
       <p:pic>
         <p:nvPicPr>
-          <p:cNvPr id="4" name="Image 0" descr="C:\Users\divya\OneDrive\Desktop\Presentify-project\backend\uploads\temp_1747290294267.jpeg">    </p:cNvPr>
+          <p:cNvPr id="4" name="Image 0" descr="C:\Users\divya\OneDrive\Desktop\Presentify-project\backend\uploads\temp_1747462399422.jpeg">    </p:cNvPr>
           <p:cNvPicPr>
             <a:picLocks noChangeAspect="1"/>
           </p:cNvPicPr>
@@ -1873,7 +1873,7 @@
                   <a:srgbClr val="FFFFFF"/>
                 </a:solidFill>
               </a:rPr>
-              <a:t>Embracing the Robotic Revolution</a:t>
+              <a:t>Conclusion: Embracing the Robotic Revolution</a:t>
             </a:r>
             <a:endParaRPr lang="en-US" sz="3200" dirty="0"/>
           </a:p>
@@ -1913,7 +1913,7 @@
                   <a:srgbClr val="FFFFFF"/>
                 </a:solidFill>
               </a:rPr>
-              <a:t>Robotics offers immense potential to improve our lives.</a:t>
+              <a:t>Robotics offers immense potential for progress and innovation.</a:t>
             </a:r>
             <a:endParaRPr lang="en-US" sz="1800" dirty="0"/>
           </a:p>
@@ -1931,7 +1931,7 @@
                   <a:srgbClr val="FFFFFF"/>
                 </a:solidFill>
               </a:rPr>
-              <a:t>By addressing ethical concerns and investing in education, we can harness this potential.</a:t>
+              <a:t>Addressing ethical concerns and societal impacts is crucial.</a:t>
             </a:r>
             <a:endParaRPr lang="en-US" sz="1800" dirty="0"/>
           </a:p>
@@ -1949,7 +1949,7 @@
                   <a:srgbClr val="FFFFFF"/>
                 </a:solidFill>
               </a:rPr>
-              <a:t>The future of robotics is bright, full of innovation and opportunity.</a:t>
+              <a:t>Collaboration between stakeholders is essential for responsible development.</a:t>
             </a:r>
             <a:endParaRPr lang="en-US" sz="1800" dirty="0"/>
           </a:p>
@@ -1957,7 +1957,7 @@
       </p:sp>
       <p:pic>
         <p:nvPicPr>
-          <p:cNvPr id="4" name="Image 0" descr="C:\Users\divya\OneDrive\Desktop\Presentify-project\backend\uploads\temp_1747290304428.jpeg">    </p:cNvPr>
+          <p:cNvPr id="4" name="Image 0" descr="C:\Users\divya\OneDrive\Desktop\Presentify-project\backend\uploads\temp_1747462442922.jpeg">    </p:cNvPr>
           <p:cNvPicPr>
             <a:picLocks noChangeAspect="1"/>
           </p:cNvPicPr>
@@ -2040,7 +2040,7 @@
                   <a:srgbClr val="FFFFFF"/>
                 </a:solidFill>
               </a:rPr>
-              <a:t>Advancements in AI and Machine Learning</a:t>
+              <a:t>Advancements in Artificial Intelligence</a:t>
             </a:r>
             <a:endParaRPr lang="en-US" sz="3200" dirty="0"/>
           </a:p>
@@ -2080,7 +2080,7 @@
                   <a:srgbClr val="FFFFFF"/>
                 </a:solidFill>
               </a:rPr>
-              <a:t>AI is enabling robots to learn, adapt, and solve complex problems.</a:t>
+              <a:t>AI powers increasingly sophisticated robotic capabilities.</a:t>
             </a:r>
             <a:endParaRPr lang="en-US" sz="1800" dirty="0"/>
           </a:p>
@@ -2098,7 +2098,7 @@
                   <a:srgbClr val="FFFFFF"/>
                 </a:solidFill>
               </a:rPr>
-              <a:t>Machine learning algorithms improve robot performance over time.</a:t>
+              <a:t>Machine learning enables robots to learn and adapt autonomously.</a:t>
             </a:r>
             <a:endParaRPr lang="en-US" sz="1800" dirty="0"/>
           </a:p>
@@ -2116,7 +2116,7 @@
                   <a:srgbClr val="FFFFFF"/>
                 </a:solidFill>
               </a:rPr>
-              <a:t>This leads to more autonomous and efficient robotic systems.</a:t>
+              <a:t>Deep learning enhances perception and decision-making abilities.</a:t>
             </a:r>
             <a:endParaRPr lang="en-US" sz="1800" dirty="0"/>
           </a:p>
@@ -2124,7 +2124,7 @@
       </p:sp>
       <p:pic>
         <p:nvPicPr>
-          <p:cNvPr id="4" name="Image 0" descr="C:\Users\divya\OneDrive\Desktop\Presentify-project\backend\uploads\temp_1747290294799.jpeg">    </p:cNvPr>
+          <p:cNvPr id="4" name="Image 0" descr="C:\Users\divya\OneDrive\Desktop\Presentify-project\backend\uploads\temp_1747462402292.jpeg">    </p:cNvPr>
           <p:cNvPicPr>
             <a:picLocks noChangeAspect="1"/>
           </p:cNvPicPr>
@@ -2207,7 +2207,7 @@
                   <a:srgbClr val="FFFFFF"/>
                 </a:solidFill>
               </a:rPr>
-              <a:t>Robotics in Manufacturing: Automation Revolution</a:t>
+              <a:t>Robotics in Healthcare: A Revolution</a:t>
             </a:r>
             <a:endParaRPr lang="en-US" sz="3200" dirty="0"/>
           </a:p>
@@ -2247,7 +2247,7 @@
                   <a:srgbClr val="FFFFFF"/>
                 </a:solidFill>
               </a:rPr>
-              <a:t>Robots are automating tasks, increasing efficiency and reducing costs.</a:t>
+              <a:t>Robotic surgery offers greater precision and minimally invasive options.</a:t>
             </a:r>
             <a:endParaRPr lang="en-US" sz="1800" dirty="0"/>
           </a:p>
@@ -2265,7 +2265,7 @@
                   <a:srgbClr val="FFFFFF"/>
                 </a:solidFill>
               </a:rPr>
-              <a:t>Collaborative robots (cobots) work alongside humans safely.</a:t>
+              <a:t>Assistive robots improve patient care and rehabilitation.</a:t>
             </a:r>
             <a:endParaRPr lang="en-US" sz="1800" dirty="0"/>
           </a:p>
@@ -2283,7 +2283,7 @@
                   <a:srgbClr val="FFFFFF"/>
                 </a:solidFill>
               </a:rPr>
-              <a:t>The future of manufacturing is highly automated with advanced robotics.</a:t>
+              <a:t>Drug delivery and lab automation enhance efficiency and accuracy.</a:t>
             </a:r>
             <a:endParaRPr lang="en-US" sz="1800" dirty="0"/>
           </a:p>
@@ -2291,7 +2291,7 @@
       </p:sp>
       <p:pic>
         <p:nvPicPr>
-          <p:cNvPr id="4" name="Image 0" descr="C:\Users\divya\OneDrive\Desktop\Presentify-project\backend\uploads\temp_1747290295632.jpeg">    </p:cNvPr>
+          <p:cNvPr id="4" name="Image 0" descr="C:\Users\divya\OneDrive\Desktop\Presentify-project\backend\uploads\temp_1747462404866.jpeg">    </p:cNvPr>
           <p:cNvPicPr>
             <a:picLocks noChangeAspect="1"/>
           </p:cNvPicPr>
@@ -2374,7 +2374,7 @@
                   <a:srgbClr val="FFFFFF"/>
                 </a:solidFill>
               </a:rPr>
-              <a:t>Robotics in Healthcare: Precision and Care</a:t>
+              <a:t>Manufacturing and Logistics: Automation Unleashed</a:t>
             </a:r>
             <a:endParaRPr lang="en-US" sz="3200" dirty="0"/>
           </a:p>
@@ -2414,7 +2414,7 @@
                   <a:srgbClr val="FFFFFF"/>
                 </a:solidFill>
               </a:rPr>
-              <a:t>Robotic surgery improves precision and reduces recovery times.</a:t>
+              <a:t>Robots increase efficiency and precision in manufacturing processes.</a:t>
             </a:r>
             <a:endParaRPr lang="en-US" sz="1800" dirty="0"/>
           </a:p>
@@ -2432,7 +2432,7 @@
                   <a:srgbClr val="FFFFFF"/>
                 </a:solidFill>
               </a:rPr>
-              <a:t>Robots assist with patient care, medication delivery, and sanitation.</a:t>
+              <a:t>Autonomous mobile robots (AMRs) optimize warehouse logistics.</a:t>
             </a:r>
             <a:endParaRPr lang="en-US" sz="1800" dirty="0"/>
           </a:p>
@@ -2450,7 +2450,7 @@
                   <a:srgbClr val="FFFFFF"/>
                 </a:solidFill>
               </a:rPr>
-              <a:t>AI-powered diagnostic robots provide faster and more accurate results.</a:t>
+              <a:t>Cobots collaborate with human workers for improved productivity.</a:t>
             </a:r>
             <a:endParaRPr lang="en-US" sz="1800" dirty="0"/>
           </a:p>
@@ -2458,7 +2458,7 @@
       </p:sp>
       <p:pic>
         <p:nvPicPr>
-          <p:cNvPr id="4" name="Image 0" descr="C:\Users\divya\OneDrive\Desktop\Presentify-project\backend\uploads\temp_1747290296749.jpeg">    </p:cNvPr>
+          <p:cNvPr id="4" name="Image 0" descr="C:\Users\divya\OneDrive\Desktop\Presentify-project\backend\uploads\temp_1747462406059.jpeg">    </p:cNvPr>
           <p:cNvPicPr>
             <a:picLocks noChangeAspect="1"/>
           </p:cNvPicPr>
@@ -2541,7 +2541,7 @@
                   <a:srgbClr val="FFFFFF"/>
                 </a:solidFill>
               </a:rPr>
-              <a:t>Robotics in Logistics and Delivery: Efficiency and Speed</a:t>
+              <a:t>Robotics in Exploration and Research</a:t>
             </a:r>
             <a:endParaRPr lang="en-US" sz="3200" dirty="0"/>
           </a:p>
@@ -2581,7 +2581,7 @@
                   <a:srgbClr val="FFFFFF"/>
                 </a:solidFill>
               </a:rPr>
-              <a:t>Robots automate warehouse operations, speeding up order fulfillment.</a:t>
+              <a:t>Robots explore extreme environments like space and deep sea.</a:t>
             </a:r>
             <a:endParaRPr lang="en-US" sz="1800" dirty="0"/>
           </a:p>
@@ -2599,7 +2599,7 @@
                   <a:srgbClr val="FFFFFF"/>
                 </a:solidFill>
               </a:rPr>
-              <a:t>Autonomous delivery robots are transforming last-mile delivery.</a:t>
+              <a:t>They gather data and perform tasks too dangerous for humans.</a:t>
             </a:r>
             <a:endParaRPr lang="en-US" sz="1800" dirty="0"/>
           </a:p>
@@ -2617,7 +2617,7 @@
                   <a:srgbClr val="FFFFFF"/>
                 </a:solidFill>
               </a:rPr>
-              <a:t>Drones are being used for package delivery and inventory management.</a:t>
+              <a:t>Drones provide aerial surveillance and mapping capabilities.</a:t>
             </a:r>
             <a:endParaRPr lang="en-US" sz="1800" dirty="0"/>
           </a:p>
@@ -2625,7 +2625,7 @@
       </p:sp>
       <p:pic>
         <p:nvPicPr>
-          <p:cNvPr id="4" name="Image 0" descr="C:\Users\divya\OneDrive\Desktop\Presentify-project\backend\uploads\temp_1747290298016.jpeg">    </p:cNvPr>
+          <p:cNvPr id="4" name="Image 0" descr="C:\Users\divya\OneDrive\Desktop\Presentify-project\backend\uploads\temp_1747462410688.jpeg">    </p:cNvPr>
           <p:cNvPicPr>
             <a:picLocks noChangeAspect="1"/>
           </p:cNvPicPr>
@@ -2708,7 +2708,7 @@
                   <a:srgbClr val="FFFFFF"/>
                 </a:solidFill>
               </a:rPr>
-              <a:t>Robotics in Exploration: Reaching New Frontiers</a:t>
+              <a:t>The Rise of Social Robots</a:t>
             </a:r>
             <a:endParaRPr lang="en-US" sz="3200" dirty="0"/>
           </a:p>
@@ -2748,7 +2748,7 @@
                   <a:srgbClr val="FFFFFF"/>
                 </a:solidFill>
               </a:rPr>
-              <a:t>Robots explore space, underwater, and other hazardous environments.</a:t>
+              <a:t>Social robots interact with humans in a natural and intuitive way.</a:t>
             </a:r>
             <a:endParaRPr lang="en-US" sz="1800" dirty="0"/>
           </a:p>
@@ -2766,7 +2766,7 @@
                   <a:srgbClr val="FFFFFF"/>
                 </a:solidFill>
               </a:rPr>
-              <a:t>They collect data, perform experiments, and build infrastructure.</a:t>
+              <a:t>They provide companionship, education, and assistance.</a:t>
             </a:r>
             <a:endParaRPr lang="en-US" sz="1800" dirty="0"/>
           </a:p>
@@ -2784,7 +2784,7 @@
                   <a:srgbClr val="FFFFFF"/>
                 </a:solidFill>
               </a:rPr>
-              <a:t>Robotics enables us to explore places that are inaccessible to humans.</a:t>
+              <a:t>Applications include elderly care, education, and customer service.</a:t>
             </a:r>
             <a:endParaRPr lang="en-US" sz="1800" dirty="0"/>
           </a:p>
@@ -2792,7 +2792,7 @@
       </p:sp>
       <p:pic>
         <p:nvPicPr>
-          <p:cNvPr id="4" name="Image 0" descr="C:\Users\divya\OneDrive\Desktop\Presentify-project\backend\uploads\temp_1747290299784.jpeg">    </p:cNvPr>
+          <p:cNvPr id="4" name="Image 0" descr="C:\Users\divya\OneDrive\Desktop\Presentify-project\backend\uploads\temp_1747462422877.jpeg">    </p:cNvPr>
           <p:cNvPicPr>
             <a:picLocks noChangeAspect="1"/>
           </p:cNvPicPr>
@@ -2915,7 +2915,7 @@
                   <a:srgbClr val="FFFFFF"/>
                 </a:solidFill>
               </a:rPr>
-              <a:t>Job displacement due to automation raises ethical concerns.</a:t>
+              <a:t>Job displacement due to automation is a major concern.</a:t>
             </a:r>
             <a:endParaRPr lang="en-US" sz="1800" dirty="0"/>
           </a:p>
@@ -2933,7 +2933,7 @@
                   <a:srgbClr val="FFFFFF"/>
                 </a:solidFill>
               </a:rPr>
-              <a:t>Ensuring safety and security in robotic systems is paramount.</a:t>
+              <a:t>Ethical guidelines are needed for AI and robot development.</a:t>
             </a:r>
             <a:endParaRPr lang="en-US" sz="1800" dirty="0"/>
           </a:p>
@@ -2951,7 +2951,7 @@
                   <a:srgbClr val="FFFFFF"/>
                 </a:solidFill>
               </a:rPr>
-              <a:t>Addressing bias in AI algorithms is crucial for fairness.</a:t>
+              <a:t>Data privacy and security are crucial considerations.</a:t>
             </a:r>
             <a:endParaRPr lang="en-US" sz="1800" dirty="0"/>
           </a:p>
@@ -2959,7 +2959,7 @@
       </p:sp>
       <p:pic>
         <p:nvPicPr>
-          <p:cNvPr id="4" name="Image 0" descr="C:\Users\divya\OneDrive\Desktop\Presentify-project\backend\uploads\temp_1747290300403.jpeg">    </p:cNvPr>
+          <p:cNvPr id="4" name="Image 0" descr="C:\Users\divya\OneDrive\Desktop\Presentify-project\backend\uploads\temp_1747462423803.jpeg">    </p:cNvPr>
           <p:cNvPicPr>
             <a:picLocks noChangeAspect="1"/>
           </p:cNvPicPr>
@@ -3042,7 +3042,7 @@
                   <a:srgbClr val="FFFFFF"/>
                 </a:solidFill>
               </a:rPr>
-              <a:t>The Role of Education and Training</a:t>
+              <a:t>The Impact on the Workforce</a:t>
             </a:r>
             <a:endParaRPr lang="en-US" sz="3200" dirty="0"/>
           </a:p>
@@ -3082,7 +3082,7 @@
                   <a:srgbClr val="FFFFFF"/>
                 </a:solidFill>
               </a:rPr>
-              <a:t>Developing skills in robotics, AI, and related fields is essential.</a:t>
+              <a:t>Robotics will change the nature of work, not necessarily eliminate it.</a:t>
             </a:r>
             <a:endParaRPr lang="en-US" sz="1800" dirty="0"/>
           </a:p>
@@ -3100,7 +3100,7 @@
                   <a:srgbClr val="FFFFFF"/>
                 </a:solidFill>
               </a:rPr>
-              <a:t>Educational programs need to adapt to the changing demands.</a:t>
+              <a:t>New job roles will emerge in robotics maintenance, programming and design.</a:t>
             </a:r>
             <a:endParaRPr lang="en-US" sz="1800" dirty="0"/>
           </a:p>
@@ -3118,7 +3118,7 @@
                   <a:srgbClr val="FFFFFF"/>
                 </a:solidFill>
               </a:rPr>
-              <a:t>Lifelong learning is crucial for navigating the future of work.</a:t>
+              <a:t>Focus on reskilling initiatives and lifelong learning.</a:t>
             </a:r>
             <a:endParaRPr lang="en-US" sz="1800" dirty="0"/>
           </a:p>
@@ -3126,7 +3126,7 @@
       </p:sp>
       <p:pic>
         <p:nvPicPr>
-          <p:cNvPr id="4" name="Image 0" descr="C:\Users\divya\OneDrive\Desktop\Presentify-project\backend\uploads\temp_1747290301672.jpeg">    </p:cNvPr>
+          <p:cNvPr id="4" name="Image 0" descr="C:\Users\divya\OneDrive\Desktop\Presentify-project\backend\uploads\temp_1747462425925.jpeg">    </p:cNvPr>
           <p:cNvPicPr>
             <a:picLocks noChangeAspect="1"/>
           </p:cNvPicPr>
@@ -3209,7 +3209,7 @@
                   <a:srgbClr val="FFFFFF"/>
                 </a:solidFill>
               </a:rPr>
-              <a:t>Key Trends Shaping the Future</a:t>
+              <a:t>Future Trends and Predictions</a:t>
             </a:r>
             <a:endParaRPr lang="en-US" sz="3200" dirty="0"/>
           </a:p>
@@ -3249,7 +3249,7 @@
                   <a:srgbClr val="FFFFFF"/>
                 </a:solidFill>
               </a:rPr>
-              <a:t>Human-robot collaboration will become more common.</a:t>
+              <a:t>Increased collaboration between humans and robots (cobots).</a:t>
             </a:r>
             <a:endParaRPr lang="en-US" sz="1800" dirty="0"/>
           </a:p>
@@ -3267,7 +3267,7 @@
                   <a:srgbClr val="FFFFFF"/>
                 </a:solidFill>
               </a:rPr>
-              <a:t>Robots will be more personalized and adaptable to individual needs.</a:t>
+              <a:t>Development of more versatile and adaptable robots.</a:t>
             </a:r>
             <a:endParaRPr lang="en-US" sz="1800" dirty="0"/>
           </a:p>
@@ -3285,7 +3285,7 @@
                   <a:srgbClr val="FFFFFF"/>
                 </a:solidFill>
               </a:rPr>
-              <a:t>Cloud robotics will enable greater connectivity and intelligence.</a:t>
+              <a:t>Greater integration of robots into everyday life (smart homes, personal assistants).</a:t>
             </a:r>
             <a:endParaRPr lang="en-US" sz="1800" dirty="0"/>
           </a:p>
@@ -3293,7 +3293,7 @@
       </p:sp>
       <p:pic>
         <p:nvPicPr>
-          <p:cNvPr id="4" name="Image 0" descr="C:\Users\divya\OneDrive\Desktop\Presentify-project\backend\uploads\temp_1747290303049.jpeg">    </p:cNvPr>
+          <p:cNvPr id="4" name="Image 0" descr="C:\Users\divya\OneDrive\Desktop\Presentify-project\backend\uploads\temp_1747462427852.jpeg">    </p:cNvPr>
           <p:cNvPicPr>
             <a:picLocks noChangeAspect="1"/>
           </p:cNvPicPr>
